--- a/Project 1- Team 8.pptx
+++ b/Project 1- Team 8.pptx
@@ -8,11 +8,12 @@
     <p:sldId id="256" r:id="rId2"/>
     <p:sldId id="258" r:id="rId3"/>
     <p:sldId id="257" r:id="rId4"/>
-    <p:sldId id="259" r:id="rId5"/>
-    <p:sldId id="260" r:id="rId6"/>
-    <p:sldId id="261" r:id="rId7"/>
-    <p:sldId id="262" r:id="rId8"/>
-    <p:sldId id="263" r:id="rId9"/>
+    <p:sldId id="264" r:id="rId5"/>
+    <p:sldId id="259" r:id="rId6"/>
+    <p:sldId id="260" r:id="rId7"/>
+    <p:sldId id="261" r:id="rId8"/>
+    <p:sldId id="262" r:id="rId9"/>
+    <p:sldId id="263" r:id="rId10"/>
   </p:sldIdLst>
   <p:sldSz cx="12192000" cy="6858000"/>
   <p:notesSz cx="6858000" cy="9144000"/>
@@ -3903,6 +3904,263 @@
       </p:grpSpPr>
       <p:sp>
         <p:nvSpPr>
+          <p:cNvPr id="2" name="Text Placeholder 1">
+            <a:extLst>
+              <a:ext uri="{FF2B5EF4-FFF2-40B4-BE49-F238E27FC236}">
+                <a16:creationId xmlns:a16="http://schemas.microsoft.com/office/drawing/2014/main" id="{13827D50-C7E0-8693-5D5E-F63A31F1DE36}"/>
+              </a:ext>
+            </a:extLst>
+          </p:cNvPr>
+          <p:cNvSpPr>
+            <a:spLocks noGrp="1"/>
+          </p:cNvSpPr>
+          <p:nvPr>
+            <p:ph type="body" idx="1"/>
+          </p:nvPr>
+        </p:nvSpPr>
+        <p:spPr>
+          <a:xfrm>
+            <a:off x="1239441" y="2313433"/>
+            <a:ext cx="4270248" cy="299103"/>
+          </a:xfrm>
+        </p:spPr>
+        <p:txBody>
+          <a:bodyPr>
+            <a:normAutofit fontScale="55000" lnSpcReduction="20000"/>
+          </a:bodyPr>
+          <a:lstStyle/>
+          <a:p>
+            <a:r>
+              <a:rPr lang="en-US" dirty="0"/>
+              <a:t>Each month from September 2023 to January 2024</a:t>
+            </a:r>
+          </a:p>
+        </p:txBody>
+      </p:sp>
+      <p:sp>
+        <p:nvSpPr>
+          <p:cNvPr id="3" name="Content Placeholder 2">
+            <a:extLst>
+              <a:ext uri="{FF2B5EF4-FFF2-40B4-BE49-F238E27FC236}">
+                <a16:creationId xmlns:a16="http://schemas.microsoft.com/office/drawing/2014/main" id="{5A195CC7-CA1B-E902-D20D-29FA47E4449E}"/>
+              </a:ext>
+            </a:extLst>
+          </p:cNvPr>
+          <p:cNvSpPr>
+            <a:spLocks noGrp="1"/>
+          </p:cNvSpPr>
+          <p:nvPr>
+            <p:ph sz="half" idx="2"/>
+          </p:nvPr>
+        </p:nvSpPr>
+        <p:spPr>
+          <a:xfrm>
+            <a:off x="653133" y="2704440"/>
+            <a:ext cx="5442867" cy="3363567"/>
+          </a:xfrm>
+        </p:spPr>
+        <p:txBody>
+          <a:bodyPr>
+            <a:normAutofit/>
+          </a:bodyPr>
+          <a:lstStyle/>
+          <a:p>
+            <a:r>
+              <a:rPr lang="en-US" dirty="0"/>
+              <a:t>September 2023: SPY: -3.43%, RTX: -4.01%, LMT: -4.95%, GD: -1.42%</a:t>
+            </a:r>
+          </a:p>
+          <a:p>
+            <a:r>
+              <a:rPr lang="en-US" dirty="0"/>
+              <a:t>October 2023: SPY: -1.97%, RTX: +13.45%, LMT: +11.17%, GD: +8.94%</a:t>
+            </a:r>
+          </a:p>
+          <a:p>
+            <a:r>
+              <a:rPr lang="en-US" dirty="0"/>
+              <a:t>November 2023: SPY: +8.87%, RTX: -0.63%, LMT: -1.88%, GD: +2.05%</a:t>
+            </a:r>
+          </a:p>
+          <a:p>
+            <a:r>
+              <a:rPr lang="en-US" dirty="0"/>
+              <a:t>December 2023: SPY: +4.29%, RTX: +3.26%, LMT: +1.08%, GD: +5.09%</a:t>
+            </a:r>
+          </a:p>
+          <a:p>
+            <a:r>
+              <a:rPr lang="en-US" dirty="0"/>
+              <a:t>January 2024: SPY: +2.27%, RTX: +8.41%, LMT: -5.48%, GD: +2.05%</a:t>
+            </a:r>
+          </a:p>
+        </p:txBody>
+      </p:sp>
+      <p:sp>
+        <p:nvSpPr>
+          <p:cNvPr id="4" name="Content Placeholder 3">
+            <a:extLst>
+              <a:ext uri="{FF2B5EF4-FFF2-40B4-BE49-F238E27FC236}">
+                <a16:creationId xmlns:a16="http://schemas.microsoft.com/office/drawing/2014/main" id="{1472D2DF-0E60-7AA5-919E-70CCAF2810BC}"/>
+              </a:ext>
+            </a:extLst>
+          </p:cNvPr>
+          <p:cNvSpPr>
+            <a:spLocks noGrp="1"/>
+          </p:cNvSpPr>
+          <p:nvPr>
+            <p:ph sz="quarter" idx="4"/>
+          </p:nvPr>
+        </p:nvSpPr>
+        <p:spPr>
+          <a:xfrm>
+            <a:off x="6338315" y="2704439"/>
+            <a:ext cx="5200552" cy="3363567"/>
+          </a:xfrm>
+        </p:spPr>
+        <p:txBody>
+          <a:bodyPr>
+            <a:normAutofit/>
+          </a:bodyPr>
+          <a:lstStyle/>
+          <a:p>
+            <a:r>
+              <a:rPr lang="en-US" b="1" dirty="0"/>
+              <a:t>SPY</a:t>
+            </a:r>
+            <a:r>
+              <a:rPr lang="en-US" dirty="0"/>
+              <a:t>: -21.05%</a:t>
+            </a:r>
+          </a:p>
+          <a:p>
+            <a:r>
+              <a:rPr lang="en-US" b="1" dirty="0"/>
+              <a:t>RTX</a:t>
+            </a:r>
+            <a:r>
+              <a:rPr lang="en-US" dirty="0"/>
+              <a:t>: -38.48%</a:t>
+            </a:r>
+          </a:p>
+          <a:p>
+            <a:r>
+              <a:rPr lang="en-US" b="1" dirty="0"/>
+              <a:t>LMT</a:t>
+            </a:r>
+            <a:r>
+              <a:rPr lang="en-US" dirty="0"/>
+              <a:t>: -24.72%</a:t>
+            </a:r>
+          </a:p>
+          <a:p>
+            <a:r>
+              <a:rPr lang="en-US" b="1"/>
+              <a:t>GD</a:t>
+            </a:r>
+            <a:r>
+              <a:rPr lang="en-US"/>
+              <a:t>: -25.10%</a:t>
+            </a:r>
+            <a:endParaRPr lang="en-US" dirty="0"/>
+          </a:p>
+        </p:txBody>
+      </p:sp>
+      <p:sp>
+        <p:nvSpPr>
+          <p:cNvPr id="5" name="Text Placeholder 4">
+            <a:extLst>
+              <a:ext uri="{FF2B5EF4-FFF2-40B4-BE49-F238E27FC236}">
+                <a16:creationId xmlns:a16="http://schemas.microsoft.com/office/drawing/2014/main" id="{F86D7065-42D5-3B31-D923-95482A6567AF}"/>
+              </a:ext>
+            </a:extLst>
+          </p:cNvPr>
+          <p:cNvSpPr>
+            <a:spLocks noGrp="1"/>
+          </p:cNvSpPr>
+          <p:nvPr>
+            <p:ph type="body" sz="quarter" idx="13"/>
+          </p:nvPr>
+        </p:nvSpPr>
+        <p:spPr>
+          <a:xfrm>
+            <a:off x="6682312" y="2313433"/>
+            <a:ext cx="4270248" cy="304800"/>
+          </a:xfrm>
+        </p:spPr>
+        <p:txBody>
+          <a:bodyPr>
+            <a:normAutofit fontScale="85000" lnSpcReduction="20000"/>
+          </a:bodyPr>
+          <a:lstStyle/>
+          <a:p>
+            <a:r>
+              <a:rPr lang="en-US" dirty="0"/>
+              <a:t>Overall  percentage change</a:t>
+            </a:r>
+          </a:p>
+        </p:txBody>
+      </p:sp>
+      <p:sp>
+        <p:nvSpPr>
+          <p:cNvPr id="6" name="Title 5">
+            <a:extLst>
+              <a:ext uri="{FF2B5EF4-FFF2-40B4-BE49-F238E27FC236}">
+                <a16:creationId xmlns:a16="http://schemas.microsoft.com/office/drawing/2014/main" id="{FBB6195C-C530-EB6D-5A28-B9C77001080F}"/>
+              </a:ext>
+            </a:extLst>
+          </p:cNvPr>
+          <p:cNvSpPr>
+            <a:spLocks noGrp="1"/>
+          </p:cNvSpPr>
+          <p:nvPr>
+            <p:ph type="title"/>
+          </p:nvPr>
+        </p:nvSpPr>
+        <p:spPr/>
+        <p:txBody>
+          <a:bodyPr/>
+          <a:lstStyle/>
+          <a:p>
+            <a:r>
+              <a:rPr lang="en-US" dirty="0"/>
+              <a:t>Percentage change</a:t>
+            </a:r>
+          </a:p>
+        </p:txBody>
+      </p:sp>
+    </p:spTree>
+    <p:extLst>
+      <p:ext uri="{BB962C8B-B14F-4D97-AF65-F5344CB8AC3E}">
+        <p14:creationId xmlns:p14="http://schemas.microsoft.com/office/powerpoint/2010/main" val="774845510"/>
+      </p:ext>
+    </p:extLst>
+  </p:cSld>
+  <p:clrMapOvr>
+    <a:masterClrMapping/>
+  </p:clrMapOvr>
+</p:sld>
+</file>
+
+<file path=ppt/slides/slide5.xml><?xml version="1.0" encoding="utf-8"?>
+<p:sld xmlns:a="http://schemas.openxmlformats.org/drawingml/2006/main" xmlns:r="http://schemas.openxmlformats.org/officeDocument/2006/relationships" xmlns:p="http://schemas.openxmlformats.org/presentationml/2006/main">
+  <p:cSld>
+    <p:spTree>
+      <p:nvGrpSpPr>
+        <p:cNvPr id="1" name=""/>
+        <p:cNvGrpSpPr/>
+        <p:nvPr/>
+      </p:nvGrpSpPr>
+      <p:grpSpPr>
+        <a:xfrm>
+          <a:off x="0" y="0"/>
+          <a:ext cx="0" cy="0"/>
+          <a:chOff x="0" y="0"/>
+          <a:chExt cx="0" cy="0"/>
+        </a:xfrm>
+      </p:grpSpPr>
+      <p:sp>
+        <p:nvSpPr>
           <p:cNvPr id="2" name="Title 1">
             <a:extLst>
               <a:ext uri="{FF2B5EF4-FFF2-40B4-BE49-F238E27FC236}">
@@ -4031,7 +4289,7 @@
 </p:sld>
 </file>
 
-<file path=ppt/slides/slide5.xml><?xml version="1.0" encoding="utf-8"?>
+<file path=ppt/slides/slide6.xml><?xml version="1.0" encoding="utf-8"?>
 <p:sld xmlns:a="http://schemas.openxmlformats.org/drawingml/2006/main" xmlns:r="http://schemas.openxmlformats.org/officeDocument/2006/relationships" xmlns:p="http://schemas.openxmlformats.org/presentationml/2006/main">
   <p:cSld>
     <p:spTree>
@@ -4118,7 +4376,7 @@
 </p:sld>
 </file>
 
-<file path=ppt/slides/slide6.xml><?xml version="1.0" encoding="utf-8"?>
+<file path=ppt/slides/slide7.xml><?xml version="1.0" encoding="utf-8"?>
 <p:sld xmlns:a="http://schemas.openxmlformats.org/drawingml/2006/main" xmlns:r="http://schemas.openxmlformats.org/officeDocument/2006/relationships" xmlns:p="http://schemas.openxmlformats.org/presentationml/2006/main">
   <p:cSld>
     <p:spTree>
@@ -4205,7 +4463,7 @@
 </p:sld>
 </file>
 
-<file path=ppt/slides/slide7.xml><?xml version="1.0" encoding="utf-8"?>
+<file path=ppt/slides/slide8.xml><?xml version="1.0" encoding="utf-8"?>
 <p:sld xmlns:a="http://schemas.openxmlformats.org/drawingml/2006/main" xmlns:r="http://schemas.openxmlformats.org/officeDocument/2006/relationships" xmlns:p="http://schemas.openxmlformats.org/presentationml/2006/main">
   <p:cSld>
     <p:spTree>
@@ -4326,7 +4584,7 @@
 </p:sld>
 </file>
 
-<file path=ppt/slides/slide8.xml><?xml version="1.0" encoding="utf-8"?>
+<file path=ppt/slides/slide9.xml><?xml version="1.0" encoding="utf-8"?>
 <p:sld xmlns:a="http://schemas.openxmlformats.org/drawingml/2006/main" xmlns:r="http://schemas.openxmlformats.org/officeDocument/2006/relationships" xmlns:p="http://schemas.openxmlformats.org/presentationml/2006/main">
   <p:cSld>
     <p:spTree>
